--- a/Magnetism_and_Relativity.pptx
+++ b/Magnetism_and_Relativity.pptx
@@ -5,10 +5,11 @@
     <p:sldMasterId id="2147483648" r:id="rId1"/>
   </p:sldMasterIdLst>
   <p:notesMasterIdLst>
-    <p:notesMasterId r:id="rId3"/>
+    <p:notesMasterId r:id="rId4"/>
   </p:notesMasterIdLst>
   <p:sldIdLst>
     <p:sldId id="272" r:id="rId2"/>
+    <p:sldId id="273" r:id="rId3"/>
   </p:sldIdLst>
   <p:sldSz cx="12192000" cy="6858000"/>
   <p:notesSz cx="6858000" cy="9144000"/>
@@ -3352,7 +3353,7 @@
         </p:nvSpPr>
         <p:spPr>
           <a:xfrm>
-            <a:off x="139153" y="1011201"/>
+            <a:off x="81278" y="744976"/>
             <a:ext cx="4558971" cy="3970318"/>
           </a:xfrm>
           <a:prstGeom prst="rect">
@@ -3391,7 +3392,14 @@
             </a:pPr>
             <a:r>
               <a:rPr lang="en-US" sz="1400" dirty="0"/>
-              <a:t>1785 - Coulomb's inverse-square law for force between two stationary, electrically charged particles</a:t>
+              <a:t>1785 - Coulomb's inverse-square law for force </a:t>
+            </a:r>
+            <a:br>
+              <a:rPr lang="en-US" sz="1400" dirty="0"/>
+            </a:br>
+            <a:r>
+              <a:rPr lang="en-US" sz="1400" dirty="0"/>
+              <a:t>between two electrically charged particles</a:t>
             </a:r>
             <a:br>
               <a:rPr lang="en-US" sz="1400" dirty="0"/>
@@ -3500,12 +3508,19 @@
         </p:blipFill>
         <p:spPr>
           <a:xfrm>
-            <a:off x="4811652" y="1006660"/>
-            <a:ext cx="1625600" cy="711200"/>
+            <a:off x="5078026" y="744976"/>
+            <a:ext cx="1284348" cy="561902"/>
           </a:xfrm>
           <a:prstGeom prst="rect">
             <a:avLst/>
           </a:prstGeom>
+          <a:ln w="63500">
+            <a:solidFill>
+              <a:srgbClr val="00B050">
+                <a:alpha val="45731"/>
+              </a:srgbClr>
+            </a:solidFill>
+          </a:ln>
         </p:spPr>
       </p:pic>
       <p:pic>
@@ -3537,13 +3552,19 @@
         </p:blipFill>
         <p:spPr bwMode="auto">
           <a:xfrm>
-            <a:off x="4903222" y="1807161"/>
+            <a:off x="5087085" y="1697457"/>
             <a:ext cx="1399205" cy="1044022"/>
           </a:xfrm>
           <a:prstGeom prst="rect">
             <a:avLst/>
           </a:prstGeom>
-          <a:noFill/>
+          <a:ln w="63500">
+            <a:solidFill>
+              <a:srgbClr val="00B050">
+                <a:alpha val="45731"/>
+              </a:srgbClr>
+            </a:solidFill>
+          </a:ln>
           <a:extLst>
             <a:ext uri="{909E8E84-426E-40DD-AFC4-6F175D3DCCD1}">
               <a14:hiddenFill xmlns:a14="http://schemas.microsoft.com/office/drawing/2010/main">
@@ -3749,8 +3770,8 @@
         </p:nvSpPr>
         <p:spPr>
           <a:xfrm>
-            <a:off x="7288779" y="1970399"/>
-            <a:ext cx="4764068" cy="1600438"/>
+            <a:off x="7288779" y="2096427"/>
+            <a:ext cx="4764068" cy="1169551"/>
           </a:xfrm>
           <a:prstGeom prst="rect">
             <a:avLst/>
@@ -3765,15 +3786,7 @@
           <a:p>
             <a:r>
               <a:rPr lang="en-US" sz="1400" dirty="0"/>
-              <a:t>Relativity explanation: </a:t>
-            </a:r>
-            <a:r>
-              <a:rPr lang="en-US" sz="1400" dirty="0" err="1"/>
-              <a:t>lorentz</a:t>
-            </a:r>
-            <a:r>
-              <a:rPr lang="en-US" sz="1400" dirty="0"/>
-              <a:t> length contraction along the wire causes density increase for charges </a:t>
+              <a:t>Relativity explanation: Lorentz length contraction along the wire causes density increase for charges </a:t>
             </a:r>
             <a:r>
               <a:rPr lang="en-US" sz="1400" b="1" dirty="0">
@@ -3797,7 +3810,7 @@
             </a:r>
             <a:r>
               <a:rPr lang="en-US" sz="1400" dirty="0"/>
-              <a:t>) and negative(</a:t>
+              <a:t>) and negative (</a:t>
             </a:r>
             <a:r>
               <a:rPr lang="en-US" sz="1400" b="1" dirty="0">
@@ -3809,14 +3822,8 @@
             </a:r>
             <a:r>
               <a:rPr lang="en-US" sz="1400" dirty="0"/>
-              <a:t>) charges.</a:t>
-            </a:r>
-          </a:p>
-          <a:p>
-            <a:pPr marL="285750" indent="-285750">
-              <a:buFont typeface="Arial" panose="020B0604020202020204" pitchFamily="34" charset="0"/>
-              <a:buChar char="•"/>
-            </a:pPr>
+              <a:t>) charges. This changes the balance between repelling forces (</a:t>
+            </a:r>
             <a:r>
               <a:rPr lang="en-US" sz="1400" b="1" dirty="0">
                 <a:solidFill>
@@ -3827,7 +3834,7 @@
             </a:r>
             <a:r>
               <a:rPr lang="en-US" sz="1400" dirty="0"/>
-              <a:t> and </a:t>
+              <a:t> &amp; </a:t>
             </a:r>
             <a:r>
               <a:rPr lang="en-US" sz="1400" b="1" dirty="0">
@@ -3839,14 +3846,8 @@
             </a:r>
             <a:r>
               <a:rPr lang="en-US" sz="1400" dirty="0"/>
-              <a:t> forces don't change</a:t>
-            </a:r>
-          </a:p>
-          <a:p>
-            <a:pPr marL="285750" indent="-285750">
-              <a:buFont typeface="Arial" panose="020B0604020202020204" pitchFamily="34" charset="0"/>
-              <a:buChar char="•"/>
-            </a:pPr>
+              <a:t>) and attracting forces (</a:t>
+            </a:r>
             <a:r>
               <a:rPr lang="en-US" sz="1400" b="1" dirty="0">
                 <a:solidFill>
@@ -3865,7 +3866,7 @@
             </a:r>
             <a:r>
               <a:rPr lang="en-US" sz="1400" dirty="0"/>
-              <a:t> and </a:t>
+              <a:t> &amp; </a:t>
             </a:r>
             <a:r>
               <a:rPr lang="en-US" sz="1400" b="1" dirty="0">
@@ -3885,7 +3886,7 @@
             </a:r>
             <a:r>
               <a:rPr lang="en-US" sz="1400" dirty="0"/>
-              <a:t> forces increase causing attraction of wires to each other</a:t>
+              <a:t> ). </a:t>
             </a:r>
           </a:p>
         </p:txBody>
@@ -3919,7 +3920,7 @@
         </p:blipFill>
         <p:spPr bwMode="auto">
           <a:xfrm>
-            <a:off x="4811652" y="3441887"/>
+            <a:off x="5087085" y="3162775"/>
             <a:ext cx="1129862" cy="1129862"/>
           </a:xfrm>
           <a:prstGeom prst="rect">
@@ -3966,7 +3967,7 @@
         </p:blipFill>
         <p:spPr bwMode="auto">
           <a:xfrm>
-            <a:off x="2715232" y="4850943"/>
+            <a:off x="2657357" y="4584718"/>
             <a:ext cx="1024280" cy="1600438"/>
           </a:xfrm>
           <a:prstGeom prst="rect">
@@ -3984,10 +3985,843 @@
           </a:extLst>
         </p:spPr>
       </p:pic>
+      <p:sp>
+        <p:nvSpPr>
+          <p:cNvPr id="7" name="Right Arrow 6">
+            <a:extLst>
+              <a:ext uri="{FF2B5EF4-FFF2-40B4-BE49-F238E27FC236}">
+                <a16:creationId xmlns:a16="http://schemas.microsoft.com/office/drawing/2014/main" id="{D490092C-B544-DC47-8087-54849988BBE5}"/>
+              </a:ext>
+            </a:extLst>
+          </p:cNvPr>
+          <p:cNvSpPr/>
+          <p:nvPr/>
+        </p:nvSpPr>
+        <p:spPr>
+          <a:xfrm rot="21071289">
+            <a:off x="4077295" y="1178371"/>
+            <a:ext cx="916469" cy="210207"/>
+          </a:xfrm>
+          <a:prstGeom prst="rightArrow">
+            <a:avLst/>
+          </a:prstGeom>
+          <a:solidFill>
+            <a:srgbClr val="00B050">
+              <a:alpha val="36340"/>
+            </a:srgbClr>
+          </a:solidFill>
+          <a:ln>
+            <a:solidFill>
+              <a:srgbClr val="00B050"/>
+            </a:solidFill>
+          </a:ln>
+        </p:spPr>
+        <p:style>
+          <a:lnRef idx="2">
+            <a:schemeClr val="accent1">
+              <a:shade val="50000"/>
+            </a:schemeClr>
+          </a:lnRef>
+          <a:fillRef idx="1">
+            <a:schemeClr val="accent1"/>
+          </a:fillRef>
+          <a:effectRef idx="0">
+            <a:schemeClr val="accent1"/>
+          </a:effectRef>
+          <a:fontRef idx="minor">
+            <a:schemeClr val="lt1"/>
+          </a:fontRef>
+        </p:style>
+        <p:txBody>
+          <a:bodyPr rtlCol="0" anchor="ctr"/>
+          <a:lstStyle/>
+          <a:p>
+            <a:pPr algn="ctr"/>
+            <a:endParaRPr lang="en-US"/>
+          </a:p>
+        </p:txBody>
+      </p:sp>
+      <p:sp>
+        <p:nvSpPr>
+          <p:cNvPr id="15" name="Right Arrow 14">
+            <a:extLst>
+              <a:ext uri="{FF2B5EF4-FFF2-40B4-BE49-F238E27FC236}">
+                <a16:creationId xmlns:a16="http://schemas.microsoft.com/office/drawing/2014/main" id="{1C7A55EF-492C-1140-B208-1A3BD2085D99}"/>
+              </a:ext>
+            </a:extLst>
+          </p:cNvPr>
+          <p:cNvSpPr/>
+          <p:nvPr/>
+        </p:nvSpPr>
+        <p:spPr>
+          <a:xfrm rot="350950">
+            <a:off x="2809757" y="1967225"/>
+            <a:ext cx="2174147" cy="210207"/>
+          </a:xfrm>
+          <a:prstGeom prst="rightArrow">
+            <a:avLst/>
+          </a:prstGeom>
+          <a:solidFill>
+            <a:srgbClr val="00B050">
+              <a:alpha val="36340"/>
+            </a:srgbClr>
+          </a:solidFill>
+          <a:ln>
+            <a:solidFill>
+              <a:srgbClr val="00B050"/>
+            </a:solidFill>
+          </a:ln>
+        </p:spPr>
+        <p:style>
+          <a:lnRef idx="2">
+            <a:schemeClr val="accent1">
+              <a:shade val="50000"/>
+            </a:schemeClr>
+          </a:lnRef>
+          <a:fillRef idx="1">
+            <a:schemeClr val="accent1"/>
+          </a:fillRef>
+          <a:effectRef idx="0">
+            <a:schemeClr val="accent1"/>
+          </a:effectRef>
+          <a:fontRef idx="minor">
+            <a:schemeClr val="lt1"/>
+          </a:fontRef>
+        </p:style>
+        <p:txBody>
+          <a:bodyPr rtlCol="0" anchor="ctr"/>
+          <a:lstStyle/>
+          <a:p>
+            <a:pPr algn="ctr"/>
+            <a:endParaRPr lang="en-US"/>
+          </a:p>
+        </p:txBody>
+      </p:sp>
+      <p:sp>
+        <p:nvSpPr>
+          <p:cNvPr id="16" name="Right Arrow 15">
+            <a:extLst>
+              <a:ext uri="{FF2B5EF4-FFF2-40B4-BE49-F238E27FC236}">
+                <a16:creationId xmlns:a16="http://schemas.microsoft.com/office/drawing/2014/main" id="{2CC30BAD-4545-AE49-9586-76E53A019C92}"/>
+              </a:ext>
+            </a:extLst>
+          </p:cNvPr>
+          <p:cNvSpPr/>
+          <p:nvPr/>
+        </p:nvSpPr>
+        <p:spPr>
+          <a:xfrm>
+            <a:off x="4307662" y="3658321"/>
+            <a:ext cx="665173" cy="210207"/>
+          </a:xfrm>
+          <a:prstGeom prst="rightArrow">
+            <a:avLst/>
+          </a:prstGeom>
+          <a:solidFill>
+            <a:srgbClr val="00B050">
+              <a:alpha val="36340"/>
+            </a:srgbClr>
+          </a:solidFill>
+          <a:ln>
+            <a:solidFill>
+              <a:srgbClr val="00B050"/>
+            </a:solidFill>
+          </a:ln>
+        </p:spPr>
+        <p:style>
+          <a:lnRef idx="2">
+            <a:schemeClr val="accent1">
+              <a:shade val="50000"/>
+            </a:schemeClr>
+          </a:lnRef>
+          <a:fillRef idx="1">
+            <a:schemeClr val="accent1"/>
+          </a:fillRef>
+          <a:effectRef idx="0">
+            <a:schemeClr val="accent1"/>
+          </a:effectRef>
+          <a:fontRef idx="minor">
+            <a:schemeClr val="lt1"/>
+          </a:fontRef>
+        </p:style>
+        <p:txBody>
+          <a:bodyPr rtlCol="0" anchor="ctr"/>
+          <a:lstStyle/>
+          <a:p>
+            <a:pPr algn="ctr"/>
+            <a:endParaRPr lang="en-US"/>
+          </a:p>
+        </p:txBody>
+      </p:sp>
     </p:spTree>
     <p:extLst>
       <p:ext uri="{BB962C8B-B14F-4D97-AF65-F5344CB8AC3E}">
         <p14:creationId xmlns:p14="http://schemas.microsoft.com/office/powerpoint/2010/main" val="2346926561"/>
+      </p:ext>
+    </p:extLst>
+  </p:cSld>
+  <p:clrMapOvr>
+    <a:masterClrMapping/>
+  </p:clrMapOvr>
+</p:sld>
+</file>
+
+<file path=ppt/slides/slide2.xml><?xml version="1.0" encoding="utf-8"?>
+<p:sld xmlns:a="http://schemas.openxmlformats.org/drawingml/2006/main" xmlns:r="http://schemas.openxmlformats.org/officeDocument/2006/relationships" xmlns:p="http://schemas.openxmlformats.org/presentationml/2006/main">
+  <p:cSld>
+    <p:spTree>
+      <p:nvGrpSpPr>
+        <p:cNvPr id="1" name=""/>
+        <p:cNvGrpSpPr/>
+        <p:nvPr/>
+      </p:nvGrpSpPr>
+      <p:grpSpPr>
+        <a:xfrm>
+          <a:off x="0" y="0"/>
+          <a:ext cx="0" cy="0"/>
+          <a:chOff x="0" y="0"/>
+          <a:chExt cx="0" cy="0"/>
+        </a:xfrm>
+      </p:grpSpPr>
+      <p:sp>
+        <p:nvSpPr>
+          <p:cNvPr id="14" name="TextBox 13">
+            <a:extLst>
+              <a:ext uri="{FF2B5EF4-FFF2-40B4-BE49-F238E27FC236}">
+                <a16:creationId xmlns:a16="http://schemas.microsoft.com/office/drawing/2014/main" id="{5AC51304-9420-9649-B9C2-02F688CD7686}"/>
+              </a:ext>
+            </a:extLst>
+          </p:cNvPr>
+          <p:cNvSpPr txBox="1"/>
+          <p:nvPr/>
+        </p:nvSpPr>
+        <p:spPr>
+          <a:xfrm>
+            <a:off x="34050" y="29641"/>
+            <a:ext cx="7399783" cy="523220"/>
+          </a:xfrm>
+          <a:prstGeom prst="rect">
+            <a:avLst/>
+          </a:prstGeom>
+          <a:noFill/>
+        </p:spPr>
+        <p:txBody>
+          <a:bodyPr wrap="none" rtlCol="0">
+            <a:spAutoFit/>
+          </a:bodyPr>
+          <a:lstStyle/>
+          <a:p>
+            <a:r>
+              <a:rPr lang="en-US" sz="2800" b="1" dirty="0">
+                <a:latin typeface="Arial" panose="020B0604020202020204" pitchFamily="34" charset="0"/>
+                <a:cs typeface="Arial" panose="020B0604020202020204" pitchFamily="34" charset="0"/>
+              </a:rPr>
+              <a:t>Magnetism as Relativity Effect - continued</a:t>
+            </a:r>
+          </a:p>
+        </p:txBody>
+      </p:sp>
+      <p:sp>
+        <p:nvSpPr>
+          <p:cNvPr id="2" name="TextBox 1">
+            <a:extLst>
+              <a:ext uri="{FF2B5EF4-FFF2-40B4-BE49-F238E27FC236}">
+                <a16:creationId xmlns:a16="http://schemas.microsoft.com/office/drawing/2014/main" id="{CC3D4649-A7E5-5848-B1B1-6FCC78D19016}"/>
+              </a:ext>
+            </a:extLst>
+          </p:cNvPr>
+          <p:cNvSpPr txBox="1"/>
+          <p:nvPr/>
+        </p:nvSpPr>
+        <p:spPr>
+          <a:xfrm>
+            <a:off x="81278" y="744976"/>
+            <a:ext cx="4558971" cy="307777"/>
+          </a:xfrm>
+          <a:prstGeom prst="rect">
+            <a:avLst/>
+          </a:prstGeom>
+          <a:noFill/>
+        </p:spPr>
+        <p:txBody>
+          <a:bodyPr wrap="square" rtlCol="0">
+            <a:spAutoFit/>
+          </a:bodyPr>
+          <a:lstStyle/>
+          <a:p>
+            <a:r>
+              <a:rPr lang="en-US" sz="1400" dirty="0">
+                <a:latin typeface="Arial" panose="020B0604020202020204" pitchFamily="34" charset="0"/>
+                <a:cs typeface="Arial" panose="020B0604020202020204" pitchFamily="34" charset="0"/>
+              </a:rPr>
+              <a:t>Lorentz factor</a:t>
+            </a:r>
+            <a:endParaRPr lang="en-US" sz="1400" dirty="0"/>
+          </a:p>
+        </p:txBody>
+      </p:sp>
+      <p:pic>
+        <p:nvPicPr>
+          <p:cNvPr id="10" name="Picture 9">
+            <a:extLst>
+              <a:ext uri="{FF2B5EF4-FFF2-40B4-BE49-F238E27FC236}">
+                <a16:creationId xmlns:a16="http://schemas.microsoft.com/office/drawing/2014/main" id="{C5DF3331-DC46-C143-8CB1-BDA61EA74A0C}"/>
+              </a:ext>
+            </a:extLst>
+          </p:cNvPr>
+          <p:cNvPicPr>
+            <a:picLocks noChangeAspect="1"/>
+          </p:cNvPicPr>
+          <p:nvPr/>
+        </p:nvPicPr>
+        <p:blipFill rotWithShape="1">
+          <a:blip r:embed="rId2" cstate="email">
+            <a:extLst>
+              <a:ext uri="{28A0092B-C50C-407E-A947-70E740481C1C}">
+                <a14:useLocalDpi xmlns:a14="http://schemas.microsoft.com/office/drawing/2010/main"/>
+              </a:ext>
+            </a:extLst>
+          </a:blip>
+          <a:srcRect/>
+          <a:stretch/>
+        </p:blipFill>
+        <p:spPr>
+          <a:xfrm>
+            <a:off x="1423687" y="597589"/>
+            <a:ext cx="2154838" cy="1124119"/>
+          </a:xfrm>
+          <a:prstGeom prst="rect">
+            <a:avLst/>
+          </a:prstGeom>
+        </p:spPr>
+      </p:pic>
+      <p:pic>
+        <p:nvPicPr>
+          <p:cNvPr id="17" name="Picture 16">
+            <a:extLst>
+              <a:ext uri="{FF2B5EF4-FFF2-40B4-BE49-F238E27FC236}">
+                <a16:creationId xmlns:a16="http://schemas.microsoft.com/office/drawing/2014/main" id="{A0E078FE-6FC2-7542-9FF0-306EB148CA04}"/>
+              </a:ext>
+            </a:extLst>
+          </p:cNvPr>
+          <p:cNvPicPr>
+            <a:picLocks noChangeAspect="1"/>
+          </p:cNvPicPr>
+          <p:nvPr/>
+        </p:nvPicPr>
+        <p:blipFill>
+          <a:blip r:embed="rId3" cstate="email">
+            <a:extLst>
+              <a:ext uri="{28A0092B-C50C-407E-A947-70E740481C1C}">
+                <a14:useLocalDpi xmlns:a14="http://schemas.microsoft.com/office/drawing/2010/main"/>
+              </a:ext>
+            </a:extLst>
+          </a:blip>
+          <a:stretch>
+            <a:fillRect/>
+          </a:stretch>
+        </p:blipFill>
+        <p:spPr>
+          <a:xfrm>
+            <a:off x="81279" y="1946652"/>
+            <a:ext cx="3773092" cy="2262982"/>
+          </a:xfrm>
+          <a:prstGeom prst="rect">
+            <a:avLst/>
+          </a:prstGeom>
+        </p:spPr>
+      </p:pic>
+      <p:pic>
+        <p:nvPicPr>
+          <p:cNvPr id="18" name="Picture 17">
+            <a:extLst>
+              <a:ext uri="{FF2B5EF4-FFF2-40B4-BE49-F238E27FC236}">
+                <a16:creationId xmlns:a16="http://schemas.microsoft.com/office/drawing/2014/main" id="{3279B5A3-13AB-AE45-B28C-B835D9656446}"/>
+              </a:ext>
+            </a:extLst>
+          </p:cNvPr>
+          <p:cNvPicPr>
+            <a:picLocks noChangeAspect="1"/>
+          </p:cNvPicPr>
+          <p:nvPr/>
+        </p:nvPicPr>
+        <p:blipFill>
+          <a:blip r:embed="rId4" cstate="email">
+            <a:extLst>
+              <a:ext uri="{28A0092B-C50C-407E-A947-70E740481C1C}">
+                <a14:useLocalDpi xmlns:a14="http://schemas.microsoft.com/office/drawing/2010/main"/>
+              </a:ext>
+            </a:extLst>
+          </a:blip>
+          <a:stretch>
+            <a:fillRect/>
+          </a:stretch>
+        </p:blipFill>
+        <p:spPr>
+          <a:xfrm>
+            <a:off x="81278" y="4381497"/>
+            <a:ext cx="3773093" cy="2262983"/>
+          </a:xfrm>
+          <a:prstGeom prst="rect">
+            <a:avLst/>
+          </a:prstGeom>
+        </p:spPr>
+      </p:pic>
+      <p:pic>
+        <p:nvPicPr>
+          <p:cNvPr id="21" name="Picture 20">
+            <a:extLst>
+              <a:ext uri="{FF2B5EF4-FFF2-40B4-BE49-F238E27FC236}">
+                <a16:creationId xmlns:a16="http://schemas.microsoft.com/office/drawing/2014/main" id="{50EC866E-BE2E-844C-AD27-C0B7E974353D}"/>
+              </a:ext>
+            </a:extLst>
+          </p:cNvPr>
+          <p:cNvPicPr>
+            <a:picLocks noChangeAspect="1"/>
+          </p:cNvPicPr>
+          <p:nvPr/>
+        </p:nvPicPr>
+        <p:blipFill>
+          <a:blip r:embed="rId5" cstate="email">
+            <a:extLst>
+              <a:ext uri="{28A0092B-C50C-407E-A947-70E740481C1C}">
+                <a14:useLocalDpi xmlns:a14="http://schemas.microsoft.com/office/drawing/2010/main"/>
+              </a:ext>
+            </a:extLst>
+          </a:blip>
+          <a:stretch>
+            <a:fillRect/>
+          </a:stretch>
+        </p:blipFill>
+        <p:spPr>
+          <a:xfrm>
+            <a:off x="4260918" y="908042"/>
+            <a:ext cx="3246927" cy="2664145"/>
+          </a:xfrm>
+          <a:prstGeom prst="rect">
+            <a:avLst/>
+          </a:prstGeom>
+        </p:spPr>
+      </p:pic>
+      <p:pic>
+        <p:nvPicPr>
+          <p:cNvPr id="22" name="Picture 21">
+            <a:extLst>
+              <a:ext uri="{FF2B5EF4-FFF2-40B4-BE49-F238E27FC236}">
+                <a16:creationId xmlns:a16="http://schemas.microsoft.com/office/drawing/2014/main" id="{F519E699-386C-1C45-84E7-F801D696D287}"/>
+              </a:ext>
+            </a:extLst>
+          </p:cNvPr>
+          <p:cNvPicPr>
+            <a:picLocks noChangeAspect="1"/>
+          </p:cNvPicPr>
+          <p:nvPr/>
+        </p:nvPicPr>
+        <p:blipFill>
+          <a:blip r:embed="rId6" cstate="email">
+            <a:extLst>
+              <a:ext uri="{28A0092B-C50C-407E-A947-70E740481C1C}">
+                <a14:useLocalDpi xmlns:a14="http://schemas.microsoft.com/office/drawing/2010/main"/>
+              </a:ext>
+            </a:extLst>
+          </a:blip>
+          <a:stretch>
+            <a:fillRect/>
+          </a:stretch>
+        </p:blipFill>
+        <p:spPr>
+          <a:xfrm>
+            <a:off x="4260918" y="3799012"/>
+            <a:ext cx="2389288" cy="1662406"/>
+          </a:xfrm>
+          <a:prstGeom prst="rect">
+            <a:avLst/>
+          </a:prstGeom>
+        </p:spPr>
+      </p:pic>
+      <p:pic>
+        <p:nvPicPr>
+          <p:cNvPr id="23" name="Picture 22">
+            <a:extLst>
+              <a:ext uri="{FF2B5EF4-FFF2-40B4-BE49-F238E27FC236}">
+                <a16:creationId xmlns:a16="http://schemas.microsoft.com/office/drawing/2014/main" id="{28EEFF85-9FCC-E541-8AB2-B4EE0C17E75F}"/>
+              </a:ext>
+            </a:extLst>
+          </p:cNvPr>
+          <p:cNvPicPr>
+            <a:picLocks noChangeAspect="1"/>
+          </p:cNvPicPr>
+          <p:nvPr/>
+        </p:nvPicPr>
+        <p:blipFill>
+          <a:blip r:embed="rId7" cstate="email">
+            <a:extLst>
+              <a:ext uri="{28A0092B-C50C-407E-A947-70E740481C1C}">
+                <a14:useLocalDpi xmlns:a14="http://schemas.microsoft.com/office/drawing/2010/main"/>
+              </a:ext>
+            </a:extLst>
+          </a:blip>
+          <a:stretch>
+            <a:fillRect/>
+          </a:stretch>
+        </p:blipFill>
+        <p:spPr>
+          <a:xfrm>
+            <a:off x="4430521" y="5697422"/>
+            <a:ext cx="3172915" cy="831203"/>
+          </a:xfrm>
+          <a:prstGeom prst="rect">
+            <a:avLst/>
+          </a:prstGeom>
+        </p:spPr>
+      </p:pic>
+      <p:pic>
+        <p:nvPicPr>
+          <p:cNvPr id="24" name="Picture 23">
+            <a:extLst>
+              <a:ext uri="{FF2B5EF4-FFF2-40B4-BE49-F238E27FC236}">
+                <a16:creationId xmlns:a16="http://schemas.microsoft.com/office/drawing/2014/main" id="{BECDA914-62A7-BC46-90C3-9E62F8C131E6}"/>
+              </a:ext>
+            </a:extLst>
+          </p:cNvPr>
+          <p:cNvPicPr>
+            <a:picLocks noChangeAspect="1"/>
+          </p:cNvPicPr>
+          <p:nvPr/>
+        </p:nvPicPr>
+        <p:blipFill>
+          <a:blip r:embed="rId8" cstate="email">
+            <a:extLst>
+              <a:ext uri="{28A0092B-C50C-407E-A947-70E740481C1C}">
+                <a14:useLocalDpi xmlns:a14="http://schemas.microsoft.com/office/drawing/2010/main"/>
+              </a:ext>
+            </a:extLst>
+          </a:blip>
+          <a:stretch>
+            <a:fillRect/>
+          </a:stretch>
+        </p:blipFill>
+        <p:spPr>
+          <a:xfrm>
+            <a:off x="9850056" y="145931"/>
+            <a:ext cx="1508310" cy="599045"/>
+          </a:xfrm>
+          <a:prstGeom prst="rect">
+            <a:avLst/>
+          </a:prstGeom>
+        </p:spPr>
+      </p:pic>
+      <p:pic>
+        <p:nvPicPr>
+          <p:cNvPr id="25" name="Picture 24">
+            <a:extLst>
+              <a:ext uri="{FF2B5EF4-FFF2-40B4-BE49-F238E27FC236}">
+                <a16:creationId xmlns:a16="http://schemas.microsoft.com/office/drawing/2014/main" id="{0190E1D8-46AB-104E-948D-96D15C80A04F}"/>
+              </a:ext>
+            </a:extLst>
+          </p:cNvPr>
+          <p:cNvPicPr>
+            <a:picLocks noChangeAspect="1"/>
+          </p:cNvPicPr>
+          <p:nvPr/>
+        </p:nvPicPr>
+        <p:blipFill>
+          <a:blip r:embed="rId9" cstate="email">
+            <a:extLst>
+              <a:ext uri="{28A0092B-C50C-407E-A947-70E740481C1C}">
+                <a14:useLocalDpi xmlns:a14="http://schemas.microsoft.com/office/drawing/2010/main"/>
+              </a:ext>
+            </a:extLst>
+          </a:blip>
+          <a:stretch>
+            <a:fillRect/>
+          </a:stretch>
+        </p:blipFill>
+        <p:spPr>
+          <a:xfrm>
+            <a:off x="7871092" y="898864"/>
+            <a:ext cx="4315187" cy="768912"/>
+          </a:xfrm>
+          <a:prstGeom prst="rect">
+            <a:avLst/>
+          </a:prstGeom>
+        </p:spPr>
+      </p:pic>
+      <p:pic>
+        <p:nvPicPr>
+          <p:cNvPr id="26" name="Picture 25">
+            <a:extLst>
+              <a:ext uri="{FF2B5EF4-FFF2-40B4-BE49-F238E27FC236}">
+                <a16:creationId xmlns:a16="http://schemas.microsoft.com/office/drawing/2014/main" id="{A0BA42A1-D78C-4141-9027-906B37043998}"/>
+              </a:ext>
+            </a:extLst>
+          </p:cNvPr>
+          <p:cNvPicPr>
+            <a:picLocks noChangeAspect="1"/>
+          </p:cNvPicPr>
+          <p:nvPr/>
+        </p:nvPicPr>
+        <p:blipFill>
+          <a:blip r:embed="rId10" cstate="email">
+            <a:extLst>
+              <a:ext uri="{28A0092B-C50C-407E-A947-70E740481C1C}">
+                <a14:useLocalDpi xmlns:a14="http://schemas.microsoft.com/office/drawing/2010/main"/>
+              </a:ext>
+            </a:extLst>
+          </a:blip>
+          <a:stretch>
+            <a:fillRect/>
+          </a:stretch>
+        </p:blipFill>
+        <p:spPr>
+          <a:xfrm>
+            <a:off x="8332859" y="1853027"/>
+            <a:ext cx="3559939" cy="799839"/>
+          </a:xfrm>
+          <a:prstGeom prst="rect">
+            <a:avLst/>
+          </a:prstGeom>
+        </p:spPr>
+      </p:pic>
+      <p:pic>
+        <p:nvPicPr>
+          <p:cNvPr id="27" name="Picture 26">
+            <a:extLst>
+              <a:ext uri="{FF2B5EF4-FFF2-40B4-BE49-F238E27FC236}">
+                <a16:creationId xmlns:a16="http://schemas.microsoft.com/office/drawing/2014/main" id="{490C894F-DC70-6A4C-B918-8D2974D381FF}"/>
+              </a:ext>
+            </a:extLst>
+          </p:cNvPr>
+          <p:cNvPicPr>
+            <a:picLocks noChangeAspect="1"/>
+          </p:cNvPicPr>
+          <p:nvPr/>
+        </p:nvPicPr>
+        <p:blipFill>
+          <a:blip r:embed="rId11" cstate="email">
+            <a:extLst>
+              <a:ext uri="{28A0092B-C50C-407E-A947-70E740481C1C}">
+                <a14:useLocalDpi xmlns:a14="http://schemas.microsoft.com/office/drawing/2010/main"/>
+              </a:ext>
+            </a:extLst>
+          </a:blip>
+          <a:stretch>
+            <a:fillRect/>
+          </a:stretch>
+        </p:blipFill>
+        <p:spPr>
+          <a:xfrm>
+            <a:off x="9413901" y="2669147"/>
+            <a:ext cx="2070100" cy="1047750"/>
+          </a:xfrm>
+          <a:prstGeom prst="rect">
+            <a:avLst/>
+          </a:prstGeom>
+        </p:spPr>
+      </p:pic>
+      <p:cxnSp>
+        <p:nvCxnSpPr>
+          <p:cNvPr id="29" name="Straight Connector 28">
+            <a:extLst>
+              <a:ext uri="{FF2B5EF4-FFF2-40B4-BE49-F238E27FC236}">
+                <a16:creationId xmlns:a16="http://schemas.microsoft.com/office/drawing/2014/main" id="{20B4A657-52E4-DA4F-AA8B-AAE46306A998}"/>
+              </a:ext>
+            </a:extLst>
+          </p:cNvPr>
+          <p:cNvCxnSpPr/>
+          <p:nvPr/>
+        </p:nvCxnSpPr>
+        <p:spPr>
+          <a:xfrm flipV="1">
+            <a:off x="4074286" y="605827"/>
+            <a:ext cx="0" cy="6038653"/>
+          </a:xfrm>
+          <a:prstGeom prst="line">
+            <a:avLst/>
+          </a:prstGeom>
+          <a:ln w="63500">
+            <a:solidFill>
+              <a:srgbClr val="00B050">
+                <a:alpha val="31144"/>
+              </a:srgbClr>
+            </a:solidFill>
+          </a:ln>
+        </p:spPr>
+        <p:style>
+          <a:lnRef idx="1">
+            <a:schemeClr val="accent1"/>
+          </a:lnRef>
+          <a:fillRef idx="0">
+            <a:schemeClr val="accent1"/>
+          </a:fillRef>
+          <a:effectRef idx="0">
+            <a:schemeClr val="accent1"/>
+          </a:effectRef>
+          <a:fontRef idx="minor">
+            <a:schemeClr val="tx1"/>
+          </a:fontRef>
+        </p:style>
+      </p:cxnSp>
+      <p:cxnSp>
+        <p:nvCxnSpPr>
+          <p:cNvPr id="33" name="Straight Connector 32">
+            <a:extLst>
+              <a:ext uri="{FF2B5EF4-FFF2-40B4-BE49-F238E27FC236}">
+                <a16:creationId xmlns:a16="http://schemas.microsoft.com/office/drawing/2014/main" id="{2E402348-759F-C541-8B3B-47507C44F1EC}"/>
+              </a:ext>
+            </a:extLst>
+          </p:cNvPr>
+          <p:cNvCxnSpPr/>
+          <p:nvPr/>
+        </p:nvCxnSpPr>
+        <p:spPr>
+          <a:xfrm flipV="1">
+            <a:off x="7790067" y="552861"/>
+            <a:ext cx="0" cy="6038653"/>
+          </a:xfrm>
+          <a:prstGeom prst="line">
+            <a:avLst/>
+          </a:prstGeom>
+          <a:ln w="63500">
+            <a:solidFill>
+              <a:srgbClr val="00B050">
+                <a:alpha val="31144"/>
+              </a:srgbClr>
+            </a:solidFill>
+          </a:ln>
+        </p:spPr>
+        <p:style>
+          <a:lnRef idx="1">
+            <a:schemeClr val="accent1"/>
+          </a:lnRef>
+          <a:fillRef idx="0">
+            <a:schemeClr val="accent1"/>
+          </a:fillRef>
+          <a:effectRef idx="0">
+            <a:schemeClr val="accent1"/>
+          </a:effectRef>
+          <a:fontRef idx="minor">
+            <a:schemeClr val="tx1"/>
+          </a:fontRef>
+        </p:style>
+      </p:cxnSp>
+      <p:sp>
+        <p:nvSpPr>
+          <p:cNvPr id="34" name="Right Arrow 33">
+            <a:extLst>
+              <a:ext uri="{FF2B5EF4-FFF2-40B4-BE49-F238E27FC236}">
+                <a16:creationId xmlns:a16="http://schemas.microsoft.com/office/drawing/2014/main" id="{6A87319B-C5C9-404B-8DB6-E3FA3256FBDC}"/>
+              </a:ext>
+            </a:extLst>
+          </p:cNvPr>
+          <p:cNvSpPr/>
+          <p:nvPr/>
+        </p:nvSpPr>
+        <p:spPr>
+          <a:xfrm rot="17411600">
+            <a:off x="9413901" y="4171290"/>
+            <a:ext cx="665173" cy="210207"/>
+          </a:xfrm>
+          <a:prstGeom prst="rightArrow">
+            <a:avLst/>
+          </a:prstGeom>
+          <a:solidFill>
+            <a:srgbClr val="00B050">
+              <a:alpha val="36340"/>
+            </a:srgbClr>
+          </a:solidFill>
+          <a:ln>
+            <a:solidFill>
+              <a:srgbClr val="00B050"/>
+            </a:solidFill>
+          </a:ln>
+        </p:spPr>
+        <p:style>
+          <a:lnRef idx="2">
+            <a:schemeClr val="accent1">
+              <a:shade val="50000"/>
+            </a:schemeClr>
+          </a:lnRef>
+          <a:fillRef idx="1">
+            <a:schemeClr val="accent1"/>
+          </a:fillRef>
+          <a:effectRef idx="0">
+            <a:schemeClr val="accent1"/>
+          </a:effectRef>
+          <a:fontRef idx="minor">
+            <a:schemeClr val="lt1"/>
+          </a:fontRef>
+        </p:style>
+        <p:txBody>
+          <a:bodyPr rtlCol="0" anchor="ctr"/>
+          <a:lstStyle/>
+          <a:p>
+            <a:pPr algn="ctr"/>
+            <a:endParaRPr lang="en-US"/>
+          </a:p>
+        </p:txBody>
+      </p:sp>
+      <p:sp>
+        <p:nvSpPr>
+          <p:cNvPr id="35" name="TextBox 34">
+            <a:extLst>
+              <a:ext uri="{FF2B5EF4-FFF2-40B4-BE49-F238E27FC236}">
+                <a16:creationId xmlns:a16="http://schemas.microsoft.com/office/drawing/2014/main" id="{B3B1A938-3DC5-E942-BC05-737DAABD3E91}"/>
+              </a:ext>
+            </a:extLst>
+          </p:cNvPr>
+          <p:cNvSpPr txBox="1"/>
+          <p:nvPr/>
+        </p:nvSpPr>
+        <p:spPr>
+          <a:xfrm>
+            <a:off x="8146302" y="4716451"/>
+            <a:ext cx="4039971" cy="738664"/>
+          </a:xfrm>
+          <a:prstGeom prst="rect">
+            <a:avLst/>
+          </a:prstGeom>
+          <a:noFill/>
+        </p:spPr>
+        <p:txBody>
+          <a:bodyPr wrap="square" rtlCol="0">
+            <a:spAutoFit/>
+          </a:bodyPr>
+          <a:lstStyle/>
+          <a:p>
+            <a:r>
+              <a:rPr lang="en-US" sz="1400" b="1" dirty="0">
+                <a:solidFill>
+                  <a:srgbClr val="FF0000"/>
+                </a:solidFill>
+              </a:rPr>
+              <a:t>We derived Lorentz factor from electrodynamics !!</a:t>
+            </a:r>
+          </a:p>
+          <a:p>
+            <a:r>
+              <a:rPr lang="en-US" sz="1400" dirty="0"/>
+              <a:t>From this video:</a:t>
+            </a:r>
+          </a:p>
+          <a:p>
+            <a:r>
+              <a:rPr lang="en-US" sz="1400" dirty="0">
+                <a:hlinkClick r:id="rId12"/>
+              </a:rPr>
+              <a:t>https://www.youtube.com/watch?v=j2AQAVIzx70</a:t>
+            </a:r>
+            <a:r>
+              <a:rPr lang="en-US" sz="1400" dirty="0"/>
+              <a:t> </a:t>
+            </a:r>
+          </a:p>
+        </p:txBody>
+      </p:sp>
+    </p:spTree>
+    <p:extLst>
+      <p:ext uri="{BB962C8B-B14F-4D97-AF65-F5344CB8AC3E}">
+        <p14:creationId xmlns:p14="http://schemas.microsoft.com/office/powerpoint/2010/main" val="283230342"/>
       </p:ext>
     </p:extLst>
   </p:cSld>

--- a/Magnetism_and_Relativity.pptx
+++ b/Magnetism_and_Relativity.pptx
@@ -3354,7 +3354,7 @@
         <p:spPr>
           <a:xfrm>
             <a:off x="81278" y="744976"/>
-            <a:ext cx="4558971" cy="3970318"/>
+            <a:ext cx="4136648" cy="4185761"/>
           </a:xfrm>
           <a:prstGeom prst="rect">
             <a:avLst/>
@@ -3458,7 +3458,19 @@
             </a:pPr>
             <a:r>
               <a:rPr lang="en-US" sz="1400" dirty="0"/>
-              <a:t>1964 - Richard Feynman’s textbook "The Feynman Lectures on Physics. 2. Section 13-6."</a:t>
+              <a:t>1964 - </a:t>
+            </a:r>
+            <a:r>
+              <a:rPr lang="en-US" sz="1400" b="1" dirty="0">
+                <a:solidFill>
+                  <a:srgbClr val="FF0000"/>
+                </a:solidFill>
+              </a:rPr>
+              <a:t>Richard Feynman</a:t>
+            </a:r>
+            <a:r>
+              <a:rPr lang="en-US" sz="1400" dirty="0"/>
+              <a:t>’s textbook "The Feynman Lectures on Physics. 2. Section 13-6."</a:t>
             </a:r>
           </a:p>
           <a:p>
@@ -3475,7 +3487,21 @@
             </a:pPr>
             <a:r>
               <a:rPr lang="en-US" sz="1400" dirty="0"/>
-              <a:t>1968 -  Rosser, W.G.V. Classical Electromagnetism via Relativity. Plenum Press.</a:t>
+              <a:t>1968 -  Rosser, W.G.V. Classical </a:t>
+            </a:r>
+            <a:br>
+              <a:rPr lang="en-US" sz="1400" dirty="0"/>
+            </a:br>
+            <a:r>
+              <a:rPr lang="en-US" sz="1400" dirty="0"/>
+              <a:t>Electromagnetism via Relativity. </a:t>
+            </a:r>
+            <a:br>
+              <a:rPr lang="en-US" sz="1400" dirty="0"/>
+            </a:br>
+            <a:r>
+              <a:rPr lang="en-US" sz="1400" dirty="0"/>
+              <a:t>Plenum Press.</a:t>
             </a:r>
           </a:p>
         </p:txBody>
@@ -3552,7 +3578,7 @@
         </p:blipFill>
         <p:spPr bwMode="auto">
           <a:xfrm>
-            <a:off x="5087085" y="1697457"/>
+            <a:off x="5087085" y="1476747"/>
             <a:ext cx="1399205" cy="1044022"/>
           </a:xfrm>
           <a:prstGeom prst="rect">
@@ -3605,7 +3631,7 @@
         </p:blipFill>
         <p:spPr bwMode="auto">
           <a:xfrm>
-            <a:off x="7987679" y="3718729"/>
+            <a:off x="8613704" y="3429000"/>
             <a:ext cx="3429328" cy="3057197"/>
           </a:xfrm>
           <a:prstGeom prst="rect">
@@ -3920,7 +3946,7 @@
         </p:blipFill>
         <p:spPr bwMode="auto">
           <a:xfrm>
-            <a:off x="5087085" y="3162775"/>
+            <a:off x="5078026" y="2703551"/>
             <a:ext cx="1129862" cy="1129862"/>
           </a:xfrm>
           <a:prstGeom prst="rect">
@@ -3967,7 +3993,7 @@
         </p:blipFill>
         <p:spPr bwMode="auto">
           <a:xfrm>
-            <a:off x="2657357" y="4584718"/>
+            <a:off x="1239279" y="4957598"/>
             <a:ext cx="1024280" cy="1600438"/>
           </a:xfrm>
           <a:prstGeom prst="rect">
@@ -4054,8 +4080,8 @@
           <p:nvPr/>
         </p:nvSpPr>
         <p:spPr>
-          <a:xfrm rot="350950">
-            <a:off x="2809757" y="1967225"/>
+          <a:xfrm>
+            <a:off x="2788737" y="1872635"/>
             <a:ext cx="2174147" cy="210207"/>
           </a:xfrm>
           <a:prstGeom prst="rightArrow">
@@ -4110,8 +4136,8 @@
           <p:nvPr/>
         </p:nvSpPr>
         <p:spPr>
-          <a:xfrm>
-            <a:off x="4307662" y="3658321"/>
+          <a:xfrm rot="20603571">
+            <a:off x="4307662" y="3437607"/>
             <a:ext cx="665173" cy="210207"/>
           </a:xfrm>
           <a:prstGeom prst="rightArrow">
@@ -4150,6 +4176,156 @@
           <a:p>
             <a:pPr algn="ctr"/>
             <a:endParaRPr lang="en-US"/>
+          </a:p>
+        </p:txBody>
+      </p:sp>
+      <p:sp>
+        <p:nvSpPr>
+          <p:cNvPr id="8" name="TextBox 7">
+            <a:extLst>
+              <a:ext uri="{FF2B5EF4-FFF2-40B4-BE49-F238E27FC236}">
+                <a16:creationId xmlns:a16="http://schemas.microsoft.com/office/drawing/2014/main" id="{06DD7319-5391-D048-8F2A-D6C07BC51132}"/>
+              </a:ext>
+            </a:extLst>
+          </p:cNvPr>
+          <p:cNvSpPr txBox="1"/>
+          <p:nvPr/>
+        </p:nvSpPr>
+        <p:spPr>
+          <a:xfrm>
+            <a:off x="3836276" y="3909904"/>
+            <a:ext cx="4674089" cy="2862322"/>
+          </a:xfrm>
+          <a:prstGeom prst="rect">
+            <a:avLst/>
+          </a:prstGeom>
+          <a:noFill/>
+        </p:spPr>
+        <p:txBody>
+          <a:bodyPr wrap="square" rtlCol="0">
+            <a:spAutoFit/>
+          </a:bodyPr>
+          <a:lstStyle/>
+          <a:p>
+            <a:r>
+              <a:rPr lang="en-US" sz="1400" dirty="0">
+                <a:solidFill>
+                  <a:srgbClr val="00B050"/>
+                </a:solidFill>
+              </a:rPr>
+              <a:t>"... what happens to two charges moving in space, both at the same speed and parallel to each other. Because they are moving, they will behave like two currents and will have a magnetic field associated with them ... </a:t>
+            </a:r>
+          </a:p>
+          <a:p>
+            <a:r>
+              <a:rPr lang="en-US" sz="1400" dirty="0">
+                <a:solidFill>
+                  <a:srgbClr val="00B050"/>
+                </a:solidFill>
+              </a:rPr>
+              <a:t>An observer who was riding along with the two charges, however, would see both charges as stationary, and would say that there is no magnetic field. ... What we are saying, then, is that </a:t>
+            </a:r>
+            <a:r>
+              <a:rPr lang="en-US" sz="1400" b="1" dirty="0">
+                <a:solidFill>
+                  <a:srgbClr val="FF0000"/>
+                </a:solidFill>
+              </a:rPr>
+              <a:t>magnetism is really a relativistic effect</a:t>
+            </a:r>
+            <a:r>
+              <a:rPr lang="en-US" sz="1400" dirty="0">
+                <a:solidFill>
+                  <a:srgbClr val="00B050"/>
+                </a:solidFill>
+              </a:rPr>
+              <a:t>. </a:t>
+            </a:r>
+          </a:p>
+          <a:p>
+            <a:r>
+              <a:rPr lang="en-US" sz="1400" dirty="0">
+                <a:solidFill>
+                  <a:srgbClr val="00B050"/>
+                </a:solidFill>
+              </a:rPr>
+              <a:t>The magnetic force is ~ v</a:t>
+            </a:r>
+            <a:r>
+              <a:rPr lang="en-US" sz="1400" baseline="30000" dirty="0">
+                <a:solidFill>
+                  <a:srgbClr val="00B050"/>
+                </a:solidFill>
+              </a:rPr>
+              <a:t>2</a:t>
+            </a:r>
+            <a:r>
+              <a:rPr lang="en-US" sz="1400" dirty="0">
+                <a:solidFill>
+                  <a:srgbClr val="00B050"/>
+                </a:solidFill>
+              </a:rPr>
+              <a:t>/c</a:t>
+            </a:r>
+            <a:r>
+              <a:rPr lang="en-US" sz="1400" baseline="30000" dirty="0">
+                <a:solidFill>
+                  <a:srgbClr val="00B050"/>
+                </a:solidFill>
+              </a:rPr>
+              <a:t>2</a:t>
+            </a:r>
+            <a:r>
+              <a:rPr lang="en-US" sz="1400" dirty="0">
+                <a:solidFill>
+                  <a:srgbClr val="00B050"/>
+                </a:solidFill>
+              </a:rPr>
+              <a:t> ~ 10</a:t>
+            </a:r>
+            <a:r>
+              <a:rPr lang="en-US" sz="1400" baseline="30000" dirty="0">
+                <a:solidFill>
+                  <a:srgbClr val="00B050"/>
+                </a:solidFill>
+              </a:rPr>
+              <a:t>−25</a:t>
+            </a:r>
+            <a:r>
+              <a:rPr lang="en-US" sz="1400" dirty="0">
+                <a:solidFill>
+                  <a:srgbClr val="00B050"/>
+                </a:solidFill>
+              </a:rPr>
+              <a:t> of the “normal” electrical force. The electrical force is perfectly balanced (wires have the same number of protons as electrons). ... magnetic force  ... becomes the dominant term."</a:t>
+            </a:r>
+          </a:p>
+          <a:p>
+            <a:r>
+              <a:rPr lang="en-US" sz="1200" dirty="0">
+                <a:solidFill>
+                  <a:srgbClr val="0070C0"/>
+                </a:solidFill>
+              </a:rPr>
+              <a:t> - </a:t>
+            </a:r>
+            <a:r>
+              <a:rPr lang="en-US" sz="1200" dirty="0">
+                <a:solidFill>
+                  <a:srgbClr val="0070C0"/>
+                </a:solidFill>
+                <a:hlinkClick r:id="rId8"/>
+              </a:rPr>
+              <a:t>https://www.feynmanlectures.caltech.edu/II_01.html#Ch1-S5</a:t>
+            </a:r>
+            <a:r>
+              <a:rPr lang="en-US" sz="1200" dirty="0">
+                <a:solidFill>
+                  <a:srgbClr val="0070C0"/>
+                </a:solidFill>
+              </a:rPr>
+              <a:t> </a:t>
+            </a:r>
           </a:p>
         </p:txBody>
       </p:sp>

--- a/Magnetism_and_Relativity.pptx
+++ b/Magnetism_and_Relativity.pptx
@@ -198,7 +198,7 @@
           <a:p>
             <a:fld id="{88E52045-756B-384E-A6E6-7F3ED1EF79B4}" type="datetimeFigureOut">
               <a:rPr lang="en-US" smtClean="0"/>
-              <a:t>6/12/21</a:t>
+              <a:t>6/13/21</a:t>
             </a:fld>
             <a:endParaRPr lang="en-US"/>
           </a:p>
@@ -594,7 +594,7 @@
           <a:p>
             <a:fld id="{B99DC7AF-117D-0D44-9887-15AB809462D7}" type="datetimeFigureOut">
               <a:rPr lang="en-US" smtClean="0"/>
-              <a:t>6/12/21</a:t>
+              <a:t>6/13/21</a:t>
             </a:fld>
             <a:endParaRPr lang="en-US"/>
           </a:p>
@@ -762,7 +762,7 @@
           <a:p>
             <a:fld id="{B99DC7AF-117D-0D44-9887-15AB809462D7}" type="datetimeFigureOut">
               <a:rPr lang="en-US" smtClean="0"/>
-              <a:t>6/12/21</a:t>
+              <a:t>6/13/21</a:t>
             </a:fld>
             <a:endParaRPr lang="en-US"/>
           </a:p>
@@ -940,7 +940,7 @@
           <a:p>
             <a:fld id="{B99DC7AF-117D-0D44-9887-15AB809462D7}" type="datetimeFigureOut">
               <a:rPr lang="en-US" smtClean="0"/>
-              <a:t>6/12/21</a:t>
+              <a:t>6/13/21</a:t>
             </a:fld>
             <a:endParaRPr lang="en-US"/>
           </a:p>
@@ -1108,7 +1108,7 @@
           <a:p>
             <a:fld id="{B99DC7AF-117D-0D44-9887-15AB809462D7}" type="datetimeFigureOut">
               <a:rPr lang="en-US" smtClean="0"/>
-              <a:t>6/12/21</a:t>
+              <a:t>6/13/21</a:t>
             </a:fld>
             <a:endParaRPr lang="en-US"/>
           </a:p>
@@ -1353,7 +1353,7 @@
           <a:p>
             <a:fld id="{B99DC7AF-117D-0D44-9887-15AB809462D7}" type="datetimeFigureOut">
               <a:rPr lang="en-US" smtClean="0"/>
-              <a:t>6/12/21</a:t>
+              <a:t>6/13/21</a:t>
             </a:fld>
             <a:endParaRPr lang="en-US"/>
           </a:p>
@@ -1582,7 +1582,7 @@
           <a:p>
             <a:fld id="{B99DC7AF-117D-0D44-9887-15AB809462D7}" type="datetimeFigureOut">
               <a:rPr lang="en-US" smtClean="0"/>
-              <a:t>6/12/21</a:t>
+              <a:t>6/13/21</a:t>
             </a:fld>
             <a:endParaRPr lang="en-US"/>
           </a:p>
@@ -1946,7 +1946,7 @@
           <a:p>
             <a:fld id="{B99DC7AF-117D-0D44-9887-15AB809462D7}" type="datetimeFigureOut">
               <a:rPr lang="en-US" smtClean="0"/>
-              <a:t>6/12/21</a:t>
+              <a:t>6/13/21</a:t>
             </a:fld>
             <a:endParaRPr lang="en-US"/>
           </a:p>
@@ -2063,7 +2063,7 @@
           <a:p>
             <a:fld id="{B99DC7AF-117D-0D44-9887-15AB809462D7}" type="datetimeFigureOut">
               <a:rPr lang="en-US" smtClean="0"/>
-              <a:t>6/12/21</a:t>
+              <a:t>6/13/21</a:t>
             </a:fld>
             <a:endParaRPr lang="en-US"/>
           </a:p>
@@ -2158,7 +2158,7 @@
           <a:p>
             <a:fld id="{B99DC7AF-117D-0D44-9887-15AB809462D7}" type="datetimeFigureOut">
               <a:rPr lang="en-US" smtClean="0"/>
-              <a:t>6/12/21</a:t>
+              <a:t>6/13/21</a:t>
             </a:fld>
             <a:endParaRPr lang="en-US"/>
           </a:p>
@@ -2433,7 +2433,7 @@
           <a:p>
             <a:fld id="{B99DC7AF-117D-0D44-9887-15AB809462D7}" type="datetimeFigureOut">
               <a:rPr lang="en-US" smtClean="0"/>
-              <a:t>6/12/21</a:t>
+              <a:t>6/13/21</a:t>
             </a:fld>
             <a:endParaRPr lang="en-US"/>
           </a:p>
@@ -2685,7 +2685,7 @@
           <a:p>
             <a:fld id="{B99DC7AF-117D-0D44-9887-15AB809462D7}" type="datetimeFigureOut">
               <a:rPr lang="en-US" smtClean="0"/>
-              <a:t>6/12/21</a:t>
+              <a:t>6/13/21</a:t>
             </a:fld>
             <a:endParaRPr lang="en-US"/>
           </a:p>
@@ -2896,7 +2896,7 @@
           <a:p>
             <a:fld id="{B99DC7AF-117D-0D44-9887-15AB809462D7}" type="datetimeFigureOut">
               <a:rPr lang="en-US" smtClean="0"/>
-              <a:t>6/12/21</a:t>
+              <a:t>6/13/21</a:t>
             </a:fld>
             <a:endParaRPr lang="en-US"/>
           </a:p>
@@ -4298,6 +4298,14 @@
                 </a:solidFill>
               </a:rPr>
               <a:t> of the “normal” electrical force. The electrical force is perfectly balanced (wires have the same number of protons as electrons). ... magnetic force  ... becomes the dominant term."</a:t>
+            </a:r>
+            <a:r>
+              <a:rPr lang="en-US" sz="1400" dirty="0">
+                <a:solidFill>
+                  <a:srgbClr val="FF0000"/>
+                </a:solidFill>
+              </a:rPr>
+              <a:t> – Feynman, 1964</a:t>
             </a:r>
           </a:p>
           <a:p>
